--- a/img/Evaluation-Bandwidth-Wondershaper.pptx
+++ b/img/Evaluation-Bandwidth-Wondershaper.pptx
@@ -104,6 +104,11 @@
       </a:defRPr>
     </a:lvl9pPr>
   </p:defaultTextStyle>
+  <p:extLst>
+    <p:ext uri="{EFAFB233-063F-42B5-8137-9DF3F51BA10A}">
+      <p15:sldGuideLst xmlns:p15="http://schemas.microsoft.com/office/powerpoint/2012/main"/>
+    </p:ext>
+  </p:extLst>
 </p:presentation>
 </file>
 
@@ -656,9 +661,14 @@
                   </a:defRPr>
                 </a:pPr>
                 <a:r>
+                  <a:rPr lang="de-CH" sz="1600" dirty="0"/>
+                  <a:t>Buffer </a:t>
+                </a:r>
+                <a:r>
                   <a:rPr lang="de-CH" sz="1600"/>
-                  <a:t>Buffer Size [KB]</a:t>
+                  <a:t>Size [Bytes]</a:t>
                 </a:r>
+                <a:endParaRPr lang="de-CH" sz="1600" dirty="0"/>
               </a:p>
             </c:rich>
           </c:tx>
@@ -1622,7 +1632,7 @@
           <a:p>
             <a:fld id="{92DFD1F9-40AA-4D0E-B131-78FC6F0D1028}" type="datetimeFigureOut">
               <a:rPr lang="en-US" smtClean="0"/>
-              <a:t>6/16/2019</a:t>
+              <a:t>7/1/2019</a:t>
             </a:fld>
             <a:endParaRPr lang="en-US"/>
           </a:p>
@@ -1822,7 +1832,7 @@
           <a:p>
             <a:fld id="{92DFD1F9-40AA-4D0E-B131-78FC6F0D1028}" type="datetimeFigureOut">
               <a:rPr lang="en-US" smtClean="0"/>
-              <a:t>6/16/2019</a:t>
+              <a:t>7/1/2019</a:t>
             </a:fld>
             <a:endParaRPr lang="en-US"/>
           </a:p>
@@ -2032,7 +2042,7 @@
           <a:p>
             <a:fld id="{92DFD1F9-40AA-4D0E-B131-78FC6F0D1028}" type="datetimeFigureOut">
               <a:rPr lang="en-US" smtClean="0"/>
-              <a:t>6/16/2019</a:t>
+              <a:t>7/1/2019</a:t>
             </a:fld>
             <a:endParaRPr lang="en-US"/>
           </a:p>
@@ -2232,7 +2242,7 @@
           <a:p>
             <a:fld id="{92DFD1F9-40AA-4D0E-B131-78FC6F0D1028}" type="datetimeFigureOut">
               <a:rPr lang="en-US" smtClean="0"/>
-              <a:t>6/16/2019</a:t>
+              <a:t>7/1/2019</a:t>
             </a:fld>
             <a:endParaRPr lang="en-US"/>
           </a:p>
@@ -2508,7 +2518,7 @@
           <a:p>
             <a:fld id="{92DFD1F9-40AA-4D0E-B131-78FC6F0D1028}" type="datetimeFigureOut">
               <a:rPr lang="en-US" smtClean="0"/>
-              <a:t>6/16/2019</a:t>
+              <a:t>7/1/2019</a:t>
             </a:fld>
             <a:endParaRPr lang="en-US"/>
           </a:p>
@@ -2776,7 +2786,7 @@
           <a:p>
             <a:fld id="{92DFD1F9-40AA-4D0E-B131-78FC6F0D1028}" type="datetimeFigureOut">
               <a:rPr lang="en-US" smtClean="0"/>
-              <a:t>6/16/2019</a:t>
+              <a:t>7/1/2019</a:t>
             </a:fld>
             <a:endParaRPr lang="en-US"/>
           </a:p>
@@ -3191,7 +3201,7 @@
           <a:p>
             <a:fld id="{92DFD1F9-40AA-4D0E-B131-78FC6F0D1028}" type="datetimeFigureOut">
               <a:rPr lang="en-US" smtClean="0"/>
-              <a:t>6/16/2019</a:t>
+              <a:t>7/1/2019</a:t>
             </a:fld>
             <a:endParaRPr lang="en-US"/>
           </a:p>
@@ -3333,7 +3343,7 @@
           <a:p>
             <a:fld id="{92DFD1F9-40AA-4D0E-B131-78FC6F0D1028}" type="datetimeFigureOut">
               <a:rPr lang="en-US" smtClean="0"/>
-              <a:t>6/16/2019</a:t>
+              <a:t>7/1/2019</a:t>
             </a:fld>
             <a:endParaRPr lang="en-US"/>
           </a:p>
@@ -3446,7 +3456,7 @@
           <a:p>
             <a:fld id="{92DFD1F9-40AA-4D0E-B131-78FC6F0D1028}" type="datetimeFigureOut">
               <a:rPr lang="en-US" smtClean="0"/>
-              <a:t>6/16/2019</a:t>
+              <a:t>7/1/2019</a:t>
             </a:fld>
             <a:endParaRPr lang="en-US"/>
           </a:p>
@@ -3759,7 +3769,7 @@
           <a:p>
             <a:fld id="{92DFD1F9-40AA-4D0E-B131-78FC6F0D1028}" type="datetimeFigureOut">
               <a:rPr lang="en-US" smtClean="0"/>
-              <a:t>6/16/2019</a:t>
+              <a:t>7/1/2019</a:t>
             </a:fld>
             <a:endParaRPr lang="en-US"/>
           </a:p>
@@ -4048,7 +4058,7 @@
           <a:p>
             <a:fld id="{92DFD1F9-40AA-4D0E-B131-78FC6F0D1028}" type="datetimeFigureOut">
               <a:rPr lang="en-US" smtClean="0"/>
-              <a:t>6/16/2019</a:t>
+              <a:t>7/1/2019</a:t>
             </a:fld>
             <a:endParaRPr lang="en-US"/>
           </a:p>
@@ -4291,7 +4301,7 @@
           <a:p>
             <a:fld id="{92DFD1F9-40AA-4D0E-B131-78FC6F0D1028}" type="datetimeFigureOut">
               <a:rPr lang="en-US" smtClean="0"/>
-              <a:t>6/16/2019</a:t>
+              <a:t>7/1/2019</a:t>
             </a:fld>
             <a:endParaRPr lang="en-US"/>
           </a:p>
@@ -4723,7 +4733,7 @@
           <p:nvPr>
             <p:extLst>
               <p:ext uri="{D42A27DB-BD31-4B8C-83A1-F6EECF244321}">
-                <p14:modId xmlns:p14="http://schemas.microsoft.com/office/powerpoint/2010/main" val="467797019"/>
+                <p14:modId xmlns:p14="http://schemas.microsoft.com/office/powerpoint/2010/main" val="26095860"/>
               </p:ext>
             </p:extLst>
           </p:nvPr>

--- a/img/Evaluation-Bandwidth-Wondershaper.pptx
+++ b/img/Evaluation-Bandwidth-Wondershaper.pptx
@@ -661,14 +661,13 @@
                   </a:defRPr>
                 </a:pPr>
                 <a:r>
-                  <a:rPr lang="de-CH" sz="1600" dirty="0"/>
-                  <a:t>Buffer </a:t>
+                  <a:rPr lang="de-CH" sz="1600"/>
+                  <a:t>Datagram </a:t>
                 </a:r>
                 <a:r>
-                  <a:rPr lang="de-CH" sz="1600"/>
+                  <a:rPr lang="de-CH" sz="1600" dirty="0"/>
                   <a:t>Size [Bytes]</a:t>
                 </a:r>
-                <a:endParaRPr lang="de-CH" sz="1600" dirty="0"/>
               </a:p>
             </c:rich>
           </c:tx>
@@ -1632,7 +1631,7 @@
           <a:p>
             <a:fld id="{92DFD1F9-40AA-4D0E-B131-78FC6F0D1028}" type="datetimeFigureOut">
               <a:rPr lang="en-US" smtClean="0"/>
-              <a:t>7/1/2019</a:t>
+              <a:t>7/16/2019</a:t>
             </a:fld>
             <a:endParaRPr lang="en-US"/>
           </a:p>
@@ -1832,7 +1831,7 @@
           <a:p>
             <a:fld id="{92DFD1F9-40AA-4D0E-B131-78FC6F0D1028}" type="datetimeFigureOut">
               <a:rPr lang="en-US" smtClean="0"/>
-              <a:t>7/1/2019</a:t>
+              <a:t>7/16/2019</a:t>
             </a:fld>
             <a:endParaRPr lang="en-US"/>
           </a:p>
@@ -2042,7 +2041,7 @@
           <a:p>
             <a:fld id="{92DFD1F9-40AA-4D0E-B131-78FC6F0D1028}" type="datetimeFigureOut">
               <a:rPr lang="en-US" smtClean="0"/>
-              <a:t>7/1/2019</a:t>
+              <a:t>7/16/2019</a:t>
             </a:fld>
             <a:endParaRPr lang="en-US"/>
           </a:p>
@@ -2242,7 +2241,7 @@
           <a:p>
             <a:fld id="{92DFD1F9-40AA-4D0E-B131-78FC6F0D1028}" type="datetimeFigureOut">
               <a:rPr lang="en-US" smtClean="0"/>
-              <a:t>7/1/2019</a:t>
+              <a:t>7/16/2019</a:t>
             </a:fld>
             <a:endParaRPr lang="en-US"/>
           </a:p>
@@ -2518,7 +2517,7 @@
           <a:p>
             <a:fld id="{92DFD1F9-40AA-4D0E-B131-78FC6F0D1028}" type="datetimeFigureOut">
               <a:rPr lang="en-US" smtClean="0"/>
-              <a:t>7/1/2019</a:t>
+              <a:t>7/16/2019</a:t>
             </a:fld>
             <a:endParaRPr lang="en-US"/>
           </a:p>
@@ -2786,7 +2785,7 @@
           <a:p>
             <a:fld id="{92DFD1F9-40AA-4D0E-B131-78FC6F0D1028}" type="datetimeFigureOut">
               <a:rPr lang="en-US" smtClean="0"/>
-              <a:t>7/1/2019</a:t>
+              <a:t>7/16/2019</a:t>
             </a:fld>
             <a:endParaRPr lang="en-US"/>
           </a:p>
@@ -3201,7 +3200,7 @@
           <a:p>
             <a:fld id="{92DFD1F9-40AA-4D0E-B131-78FC6F0D1028}" type="datetimeFigureOut">
               <a:rPr lang="en-US" smtClean="0"/>
-              <a:t>7/1/2019</a:t>
+              <a:t>7/16/2019</a:t>
             </a:fld>
             <a:endParaRPr lang="en-US"/>
           </a:p>
@@ -3343,7 +3342,7 @@
           <a:p>
             <a:fld id="{92DFD1F9-40AA-4D0E-B131-78FC6F0D1028}" type="datetimeFigureOut">
               <a:rPr lang="en-US" smtClean="0"/>
-              <a:t>7/1/2019</a:t>
+              <a:t>7/16/2019</a:t>
             </a:fld>
             <a:endParaRPr lang="en-US"/>
           </a:p>
@@ -3456,7 +3455,7 @@
           <a:p>
             <a:fld id="{92DFD1F9-40AA-4D0E-B131-78FC6F0D1028}" type="datetimeFigureOut">
               <a:rPr lang="en-US" smtClean="0"/>
-              <a:t>7/1/2019</a:t>
+              <a:t>7/16/2019</a:t>
             </a:fld>
             <a:endParaRPr lang="en-US"/>
           </a:p>
@@ -3769,7 +3768,7 @@
           <a:p>
             <a:fld id="{92DFD1F9-40AA-4D0E-B131-78FC6F0D1028}" type="datetimeFigureOut">
               <a:rPr lang="en-US" smtClean="0"/>
-              <a:t>7/1/2019</a:t>
+              <a:t>7/16/2019</a:t>
             </a:fld>
             <a:endParaRPr lang="en-US"/>
           </a:p>
@@ -4058,7 +4057,7 @@
           <a:p>
             <a:fld id="{92DFD1F9-40AA-4D0E-B131-78FC6F0D1028}" type="datetimeFigureOut">
               <a:rPr lang="en-US" smtClean="0"/>
-              <a:t>7/1/2019</a:t>
+              <a:t>7/16/2019</a:t>
             </a:fld>
             <a:endParaRPr lang="en-US"/>
           </a:p>
@@ -4301,7 +4300,7 @@
           <a:p>
             <a:fld id="{92DFD1F9-40AA-4D0E-B131-78FC6F0D1028}" type="datetimeFigureOut">
               <a:rPr lang="en-US" smtClean="0"/>
-              <a:t>7/1/2019</a:t>
+              <a:t>7/16/2019</a:t>
             </a:fld>
             <a:endParaRPr lang="en-US"/>
           </a:p>
@@ -4733,7 +4732,7 @@
           <p:nvPr>
             <p:extLst>
               <p:ext uri="{D42A27DB-BD31-4B8C-83A1-F6EECF244321}">
-                <p14:modId xmlns:p14="http://schemas.microsoft.com/office/powerpoint/2010/main" val="26095860"/>
+                <p14:modId xmlns:p14="http://schemas.microsoft.com/office/powerpoint/2010/main" val="2788822542"/>
               </p:ext>
             </p:extLst>
           </p:nvPr>

--- a/img/Evaluation-Bandwidth-Wondershaper.pptx
+++ b/img/Evaluation-Bandwidth-Wondershaper.pptx
@@ -1631,7 +1631,7 @@
           <a:p>
             <a:fld id="{92DFD1F9-40AA-4D0E-B131-78FC6F0D1028}" type="datetimeFigureOut">
               <a:rPr lang="en-US" smtClean="0"/>
-              <a:t>7/16/2019</a:t>
+              <a:t>7/29/2019</a:t>
             </a:fld>
             <a:endParaRPr lang="en-US"/>
           </a:p>
@@ -1831,7 +1831,7 @@
           <a:p>
             <a:fld id="{92DFD1F9-40AA-4D0E-B131-78FC6F0D1028}" type="datetimeFigureOut">
               <a:rPr lang="en-US" smtClean="0"/>
-              <a:t>7/16/2019</a:t>
+              <a:t>7/29/2019</a:t>
             </a:fld>
             <a:endParaRPr lang="en-US"/>
           </a:p>
@@ -2041,7 +2041,7 @@
           <a:p>
             <a:fld id="{92DFD1F9-40AA-4D0E-B131-78FC6F0D1028}" type="datetimeFigureOut">
               <a:rPr lang="en-US" smtClean="0"/>
-              <a:t>7/16/2019</a:t>
+              <a:t>7/29/2019</a:t>
             </a:fld>
             <a:endParaRPr lang="en-US"/>
           </a:p>
@@ -2241,7 +2241,7 @@
           <a:p>
             <a:fld id="{92DFD1F9-40AA-4D0E-B131-78FC6F0D1028}" type="datetimeFigureOut">
               <a:rPr lang="en-US" smtClean="0"/>
-              <a:t>7/16/2019</a:t>
+              <a:t>7/29/2019</a:t>
             </a:fld>
             <a:endParaRPr lang="en-US"/>
           </a:p>
@@ -2517,7 +2517,7 @@
           <a:p>
             <a:fld id="{92DFD1F9-40AA-4D0E-B131-78FC6F0D1028}" type="datetimeFigureOut">
               <a:rPr lang="en-US" smtClean="0"/>
-              <a:t>7/16/2019</a:t>
+              <a:t>7/29/2019</a:t>
             </a:fld>
             <a:endParaRPr lang="en-US"/>
           </a:p>
@@ -2785,7 +2785,7 @@
           <a:p>
             <a:fld id="{92DFD1F9-40AA-4D0E-B131-78FC6F0D1028}" type="datetimeFigureOut">
               <a:rPr lang="en-US" smtClean="0"/>
-              <a:t>7/16/2019</a:t>
+              <a:t>7/29/2019</a:t>
             </a:fld>
             <a:endParaRPr lang="en-US"/>
           </a:p>
@@ -3200,7 +3200,7 @@
           <a:p>
             <a:fld id="{92DFD1F9-40AA-4D0E-B131-78FC6F0D1028}" type="datetimeFigureOut">
               <a:rPr lang="en-US" smtClean="0"/>
-              <a:t>7/16/2019</a:t>
+              <a:t>7/29/2019</a:t>
             </a:fld>
             <a:endParaRPr lang="en-US"/>
           </a:p>
@@ -3342,7 +3342,7 @@
           <a:p>
             <a:fld id="{92DFD1F9-40AA-4D0E-B131-78FC6F0D1028}" type="datetimeFigureOut">
               <a:rPr lang="en-US" smtClean="0"/>
-              <a:t>7/16/2019</a:t>
+              <a:t>7/29/2019</a:t>
             </a:fld>
             <a:endParaRPr lang="en-US"/>
           </a:p>
@@ -3455,7 +3455,7 @@
           <a:p>
             <a:fld id="{92DFD1F9-40AA-4D0E-B131-78FC6F0D1028}" type="datetimeFigureOut">
               <a:rPr lang="en-US" smtClean="0"/>
-              <a:t>7/16/2019</a:t>
+              <a:t>7/29/2019</a:t>
             </a:fld>
             <a:endParaRPr lang="en-US"/>
           </a:p>
@@ -3768,7 +3768,7 @@
           <a:p>
             <a:fld id="{92DFD1F9-40AA-4D0E-B131-78FC6F0D1028}" type="datetimeFigureOut">
               <a:rPr lang="en-US" smtClean="0"/>
-              <a:t>7/16/2019</a:t>
+              <a:t>7/29/2019</a:t>
             </a:fld>
             <a:endParaRPr lang="en-US"/>
           </a:p>
@@ -4057,7 +4057,7 @@
           <a:p>
             <a:fld id="{92DFD1F9-40AA-4D0E-B131-78FC6F0D1028}" type="datetimeFigureOut">
               <a:rPr lang="en-US" smtClean="0"/>
-              <a:t>7/16/2019</a:t>
+              <a:t>7/29/2019</a:t>
             </a:fld>
             <a:endParaRPr lang="en-US"/>
           </a:p>
@@ -4300,7 +4300,7 @@
           <a:p>
             <a:fld id="{92DFD1F9-40AA-4D0E-B131-78FC6F0D1028}" type="datetimeFigureOut">
               <a:rPr lang="en-US" smtClean="0"/>
-              <a:t>7/16/2019</a:t>
+              <a:t>7/29/2019</a:t>
             </a:fld>
             <a:endParaRPr lang="en-US"/>
           </a:p>
@@ -4717,93 +4717,114 @@
           <a:chExt cx="0" cy="0"/>
         </a:xfrm>
       </p:grpSpPr>
-      <p:graphicFrame>
-        <p:nvGraphicFramePr>
-          <p:cNvPr id="4" name="Diagramm 3">
-            <a:extLst>
-              <a:ext uri="{FF2B5EF4-FFF2-40B4-BE49-F238E27FC236}">
-                <a16:creationId xmlns:a16="http://schemas.microsoft.com/office/drawing/2014/main" id="{F1C625FE-7A65-4DAF-B71C-A77C5E0F1411}"/>
-              </a:ext>
-            </a:extLst>
-          </p:cNvPr>
-          <p:cNvGraphicFramePr>
-            <a:graphicFrameLocks/>
-          </p:cNvGraphicFramePr>
-          <p:nvPr>
-            <p:extLst>
-              <p:ext uri="{D42A27DB-BD31-4B8C-83A1-F6EECF244321}">
-                <p14:modId xmlns:p14="http://schemas.microsoft.com/office/powerpoint/2010/main" val="2788822542"/>
-              </p:ext>
-            </p:extLst>
-          </p:nvPr>
-        </p:nvGraphicFramePr>
-        <p:xfrm>
-          <a:off x="1056000" y="189000"/>
-          <a:ext cx="10080000" cy="6480000"/>
-        </p:xfrm>
-        <a:graphic>
-          <a:graphicData uri="http://schemas.openxmlformats.org/drawingml/2006/chart">
-            <c:chart xmlns:c="http://schemas.openxmlformats.org/drawingml/2006/chart" xmlns:r="http://schemas.openxmlformats.org/officeDocument/2006/relationships" r:id="rId2"/>
-          </a:graphicData>
-        </a:graphic>
-      </p:graphicFrame>
-      <p:cxnSp>
-        <p:nvCxnSpPr>
-          <p:cNvPr id="6" name="Gerader Verbinder 5">
-            <a:extLst>
-              <a:ext uri="{FF2B5EF4-FFF2-40B4-BE49-F238E27FC236}">
-                <a16:creationId xmlns:a16="http://schemas.microsoft.com/office/drawing/2014/main" id="{D98312E4-272A-4F1B-8929-6951E5A16A3A}"/>
-              </a:ext>
-            </a:extLst>
-          </p:cNvPr>
-          <p:cNvCxnSpPr/>
+      <p:grpSp>
+        <p:nvGrpSpPr>
+          <p:cNvPr id="2" name="Gruppieren 1">
+            <a:extLst>
+              <a:ext uri="{FF2B5EF4-FFF2-40B4-BE49-F238E27FC236}">
+                <a16:creationId xmlns:a16="http://schemas.microsoft.com/office/drawing/2014/main" id="{D7406AC3-222E-4682-BD29-1BA206FB0C9D}"/>
+              </a:ext>
+            </a:extLst>
+          </p:cNvPr>
+          <p:cNvGrpSpPr/>
           <p:nvPr/>
-        </p:nvCxnSpPr>
+        </p:nvGrpSpPr>
+        <p:grpSpPr>
+          <a:xfrm>
+            <a:off x="1056000" y="189000"/>
+            <a:ext cx="10080000" cy="6480000"/>
+            <a:chOff x="1056000" y="189000"/>
+            <a:chExt cx="10080000" cy="6480000"/>
+          </a:xfrm>
+        </p:grpSpPr>
+        <p:graphicFrame>
+          <p:nvGraphicFramePr>
+            <p:cNvPr id="4" name="Diagramm 3">
+              <a:extLst>
+                <a:ext uri="{FF2B5EF4-FFF2-40B4-BE49-F238E27FC236}">
+                  <a16:creationId xmlns:a16="http://schemas.microsoft.com/office/drawing/2014/main" id="{F1C625FE-7A65-4DAF-B71C-A77C5E0F1411}"/>
+                </a:ext>
+              </a:extLst>
+            </p:cNvPr>
+            <p:cNvGraphicFramePr>
+              <a:graphicFrameLocks/>
+            </p:cNvGraphicFramePr>
+            <p:nvPr>
+              <p:extLst>
+                <p:ext uri="{D42A27DB-BD31-4B8C-83A1-F6EECF244321}">
+                  <p14:modId xmlns:p14="http://schemas.microsoft.com/office/powerpoint/2010/main" val="2087805027"/>
+                </p:ext>
+              </p:extLst>
+            </p:nvPr>
+          </p:nvGraphicFramePr>
+          <p:xfrm>
+            <a:off x="1056000" y="189000"/>
+            <a:ext cx="10080000" cy="6480000"/>
+          </p:xfrm>
+          <a:graphic>
+            <a:graphicData uri="http://schemas.openxmlformats.org/drawingml/2006/chart">
+              <c:chart xmlns:c="http://schemas.openxmlformats.org/drawingml/2006/chart" xmlns:r="http://schemas.openxmlformats.org/officeDocument/2006/relationships" r:id="rId2"/>
+            </a:graphicData>
+          </a:graphic>
+        </p:graphicFrame>
+        <p:cxnSp>
+          <p:nvCxnSpPr>
+            <p:cNvPr id="6" name="Gerader Verbinder 5">
+              <a:extLst>
+                <a:ext uri="{FF2B5EF4-FFF2-40B4-BE49-F238E27FC236}">
+                  <a16:creationId xmlns:a16="http://schemas.microsoft.com/office/drawing/2014/main" id="{D98312E4-272A-4F1B-8929-6951E5A16A3A}"/>
+                </a:ext>
+              </a:extLst>
+            </p:cNvPr>
+            <p:cNvCxnSpPr/>
+            <p:nvPr/>
+          </p:nvCxnSpPr>
+          <p:spPr>
+            <a:xfrm>
+              <a:off x="1994170" y="1235249"/>
+              <a:ext cx="8988358" cy="0"/>
+            </a:xfrm>
+            <a:prstGeom prst="line">
+              <a:avLst/>
+            </a:prstGeom>
+            <a:ln w="38100">
+              <a:solidFill>
+                <a:srgbClr val="FF0000"/>
+              </a:solidFill>
+            </a:ln>
+          </p:spPr>
+          <p:style>
+            <a:lnRef idx="1">
+              <a:schemeClr val="accent1"/>
+            </a:lnRef>
+            <a:fillRef idx="0">
+              <a:schemeClr val="accent1"/>
+            </a:fillRef>
+            <a:effectRef idx="0">
+              <a:schemeClr val="accent1"/>
+            </a:effectRef>
+            <a:fontRef idx="minor">
+              <a:schemeClr val="tx1"/>
+            </a:fontRef>
+          </p:style>
+        </p:cxnSp>
+      </p:grpSp>
+      <p:sp>
+        <p:nvSpPr>
+          <p:cNvPr id="8" name="Rechteck 7">
+            <a:extLst>
+              <a:ext uri="{FF2B5EF4-FFF2-40B4-BE49-F238E27FC236}">
+                <a16:creationId xmlns:a16="http://schemas.microsoft.com/office/drawing/2014/main" id="{D994B841-79F3-40B3-A90E-662064F8F4FF}"/>
+              </a:ext>
+            </a:extLst>
+          </p:cNvPr>
+          <p:cNvSpPr/>
+          <p:nvPr/>
+        </p:nvSpPr>
         <p:spPr>
           <a:xfrm>
-            <a:off x="1994170" y="1235249"/>
-            <a:ext cx="8988358" cy="0"/>
-          </a:xfrm>
-          <a:prstGeom prst="line">
-            <a:avLst/>
-          </a:prstGeom>
-          <a:ln w="38100">
-            <a:solidFill>
-              <a:srgbClr val="FF0000"/>
-            </a:solidFill>
-          </a:ln>
-        </p:spPr>
-        <p:style>
-          <a:lnRef idx="1">
-            <a:schemeClr val="accent1"/>
-          </a:lnRef>
-          <a:fillRef idx="0">
-            <a:schemeClr val="accent1"/>
-          </a:fillRef>
-          <a:effectRef idx="0">
-            <a:schemeClr val="accent1"/>
-          </a:effectRef>
-          <a:fontRef idx="minor">
-            <a:schemeClr val="tx1"/>
-          </a:fontRef>
-        </p:style>
-      </p:cxnSp>
-      <p:sp>
-        <p:nvSpPr>
-          <p:cNvPr id="8" name="Rechteck 7">
-            <a:extLst>
-              <a:ext uri="{FF2B5EF4-FFF2-40B4-BE49-F238E27FC236}">
-                <a16:creationId xmlns:a16="http://schemas.microsoft.com/office/drawing/2014/main" id="{D994B841-79F3-40B3-A90E-662064F8F4FF}"/>
-              </a:ext>
-            </a:extLst>
-          </p:cNvPr>
-          <p:cNvSpPr/>
-          <p:nvPr/>
-        </p:nvSpPr>
-        <p:spPr>
-          <a:xfrm>
-            <a:off x="5632315" y="1212315"/>
-            <a:ext cx="1715678" cy="178695"/>
+            <a:off x="5632315" y="1169260"/>
+            <a:ext cx="1715678" cy="155762"/>
           </a:xfrm>
           <a:prstGeom prst="rect">
             <a:avLst/>
@@ -4814,6 +4835,7 @@
           <a:ln>
             <a:noFill/>
           </a:ln>
+          <a:effectLst/>
         </p:spPr>
         <p:style>
           <a:lnRef idx="2">
@@ -4854,7 +4876,7 @@
         </p:nvSpPr>
         <p:spPr>
           <a:xfrm>
-            <a:off x="5632315" y="1050583"/>
+            <a:off x="5622888" y="1069430"/>
             <a:ext cx="1712068" cy="369332"/>
           </a:xfrm>
           <a:prstGeom prst="rect">
